--- a/Command.pptx
+++ b/Command.pptx
@@ -29,7 +29,7 @@
   <p:notesSz cx="6858000" cy="9144000"/>
   <p:embeddedFontLst>
     <p:embeddedFont>
-      <p:font typeface="Roboto" panose="020B0604020202020204" charset="0"/>
+      <p:font typeface="Roboto" panose="02000000000000000000" pitchFamily="2" charset="0"/>
       <p:regular r:id="rId19"/>
       <p:bold r:id="rId20"/>
       <p:italic r:id="rId21"/>
@@ -1433,429 +1433,15 @@
           <a:lstStyle/>
           <a:p>
             <a:pPr marL="0" lvl="0" indent="0" algn="l" rtl="0">
-              <a:lnSpc>
-                <a:spcPct val="115000"/>
-              </a:lnSpc>
               <a:spcBef>
                 <a:spcPts val="1500"/>
               </a:spcBef>
               <a:spcAft>
                 <a:spcPts val="0"/>
               </a:spcAft>
-              <a:buClr>
-                <a:schemeClr val="dk1"/>
-              </a:buClr>
-              <a:buSzPts val="1100"/>
-              <a:buFont typeface="Arial"/>
-              <a:buNone/>
-            </a:pPr>
-            <a:r>
-              <a:rPr lang="en-GB" sz="1200">
-                <a:solidFill>
-                  <a:srgbClr val="D1D5DB"/>
-                </a:solidFill>
-                <a:highlight>
-                  <a:srgbClr val="444654"/>
-                </a:highlight>
-                <a:latin typeface="Roboto"/>
-                <a:ea typeface="Roboto"/>
-                <a:cs typeface="Roboto"/>
-                <a:sym typeface="Roboto"/>
-              </a:rPr>
-              <a:t>Pros:</a:t>
-            </a:r>
-            <a:endParaRPr sz="1200">
-              <a:solidFill>
-                <a:srgbClr val="D1D5DB"/>
-              </a:solidFill>
-              <a:highlight>
-                <a:srgbClr val="444654"/>
-              </a:highlight>
-              <a:latin typeface="Roboto"/>
-              <a:ea typeface="Roboto"/>
-              <a:cs typeface="Roboto"/>
-              <a:sym typeface="Roboto"/>
-            </a:endParaRPr>
-          </a:p>
-          <a:p>
-            <a:pPr marL="457200" lvl="0" indent="-304800" algn="l" rtl="0">
-              <a:lnSpc>
-                <a:spcPct val="115000"/>
-              </a:lnSpc>
-              <a:spcBef>
-                <a:spcPts val="1500"/>
-              </a:spcBef>
-              <a:spcAft>
-                <a:spcPts val="0"/>
-              </a:spcAft>
-              <a:buClr>
-                <a:srgbClr val="D1D5DB"/>
-              </a:buClr>
-              <a:buSzPts val="1200"/>
-              <a:buFont typeface="Roboto"/>
-              <a:buAutoNum type="arabicPeriod"/>
-            </a:pPr>
-            <a:r>
-              <a:rPr lang="en-GB" sz="1200">
-                <a:solidFill>
-                  <a:srgbClr val="D1D5DB"/>
-                </a:solidFill>
-                <a:highlight>
-                  <a:srgbClr val="444654"/>
-                </a:highlight>
-                <a:latin typeface="Roboto"/>
-                <a:ea typeface="Roboto"/>
-                <a:cs typeface="Roboto"/>
-                <a:sym typeface="Roboto"/>
-              </a:rPr>
-              <a:t>Encapsulation: The Command pattern encapsulates commands as objects, making it easy to modify or extend functionality without affecting other parts of the system. This makes it easier to maintain and extend the codebase over time.</a:t>
-            </a:r>
-            <a:endParaRPr sz="1200">
-              <a:solidFill>
-                <a:srgbClr val="D1D5DB"/>
-              </a:solidFill>
-              <a:highlight>
-                <a:srgbClr val="444654"/>
-              </a:highlight>
-              <a:latin typeface="Roboto"/>
-              <a:ea typeface="Roboto"/>
-              <a:cs typeface="Roboto"/>
-              <a:sym typeface="Roboto"/>
-            </a:endParaRPr>
-          </a:p>
-          <a:p>
-            <a:pPr marL="457200" lvl="0" indent="-304800" algn="l" rtl="0">
-              <a:lnSpc>
-                <a:spcPct val="115000"/>
-              </a:lnSpc>
-              <a:spcBef>
-                <a:spcPts val="0"/>
-              </a:spcBef>
-              <a:spcAft>
-                <a:spcPts val="0"/>
-              </a:spcAft>
-              <a:buClr>
-                <a:srgbClr val="D1D5DB"/>
-              </a:buClr>
-              <a:buSzPts val="1200"/>
-              <a:buFont typeface="Roboto"/>
-              <a:buAutoNum type="arabicPeriod"/>
-            </a:pPr>
-            <a:r>
-              <a:rPr lang="en-GB" sz="1200">
-                <a:solidFill>
-                  <a:srgbClr val="D1D5DB"/>
-                </a:solidFill>
-                <a:highlight>
-                  <a:srgbClr val="444654"/>
-                </a:highlight>
-                <a:latin typeface="Roboto"/>
-                <a:ea typeface="Roboto"/>
-                <a:cs typeface="Roboto"/>
-                <a:sym typeface="Roboto"/>
-              </a:rPr>
-              <a:t>Decoupling: The Command pattern decouples the requester of an action from the object that performs the action, making it easier to modify or replace either component without affecting the other. This promotes modularity and flexibility in the codebase.</a:t>
-            </a:r>
-            <a:endParaRPr sz="1200">
-              <a:solidFill>
-                <a:srgbClr val="D1D5DB"/>
-              </a:solidFill>
-              <a:highlight>
-                <a:srgbClr val="444654"/>
-              </a:highlight>
-              <a:latin typeface="Roboto"/>
-              <a:ea typeface="Roboto"/>
-              <a:cs typeface="Roboto"/>
-              <a:sym typeface="Roboto"/>
-            </a:endParaRPr>
-          </a:p>
-          <a:p>
-            <a:pPr marL="457200" lvl="0" indent="-304800" algn="l" rtl="0">
-              <a:lnSpc>
-                <a:spcPct val="115000"/>
-              </a:lnSpc>
-              <a:spcBef>
-                <a:spcPts val="0"/>
-              </a:spcBef>
-              <a:spcAft>
-                <a:spcPts val="0"/>
-              </a:spcAft>
-              <a:buClr>
-                <a:srgbClr val="D1D5DB"/>
-              </a:buClr>
-              <a:buSzPts val="1200"/>
-              <a:buFont typeface="Roboto"/>
-              <a:buAutoNum type="arabicPeriod"/>
-            </a:pPr>
-            <a:r>
-              <a:rPr lang="en-GB" sz="1200">
-                <a:solidFill>
-                  <a:srgbClr val="D1D5DB"/>
-                </a:solidFill>
-                <a:highlight>
-                  <a:srgbClr val="444654"/>
-                </a:highlight>
-                <a:latin typeface="Roboto"/>
-                <a:ea typeface="Roboto"/>
-                <a:cs typeface="Roboto"/>
-                <a:sym typeface="Roboto"/>
-              </a:rPr>
-              <a:t>Undo/Redo functionality: The Command pattern can be used to implement undo/redo functionality, which is a common requirement in many software applications. This functionality can be achieved by simply storing the command objects in a stack and reversing or replaying them as needed.</a:t>
-            </a:r>
-            <a:endParaRPr sz="1200">
-              <a:solidFill>
-                <a:srgbClr val="D1D5DB"/>
-              </a:solidFill>
-              <a:highlight>
-                <a:srgbClr val="444654"/>
-              </a:highlight>
-              <a:latin typeface="Roboto"/>
-              <a:ea typeface="Roboto"/>
-              <a:cs typeface="Roboto"/>
-              <a:sym typeface="Roboto"/>
-            </a:endParaRPr>
-          </a:p>
-          <a:p>
-            <a:pPr marL="457200" lvl="0" indent="-304800" algn="l" rtl="0">
-              <a:lnSpc>
-                <a:spcPct val="115000"/>
-              </a:lnSpc>
-              <a:spcBef>
-                <a:spcPts val="0"/>
-              </a:spcBef>
-              <a:spcAft>
-                <a:spcPts val="0"/>
-              </a:spcAft>
-              <a:buClr>
-                <a:srgbClr val="D1D5DB"/>
-              </a:buClr>
-              <a:buSzPts val="1200"/>
-              <a:buFont typeface="Roboto"/>
-              <a:buAutoNum type="arabicPeriod"/>
-            </a:pPr>
-            <a:r>
-              <a:rPr lang="en-GB" sz="1200">
-                <a:solidFill>
-                  <a:srgbClr val="D1D5DB"/>
-                </a:solidFill>
-                <a:highlight>
-                  <a:srgbClr val="444654"/>
-                </a:highlight>
-                <a:latin typeface="Roboto"/>
-                <a:ea typeface="Roboto"/>
-                <a:cs typeface="Roboto"/>
-                <a:sym typeface="Roboto"/>
-              </a:rPr>
-              <a:t>Logging: The Command pattern provides a natural way to log actions taken by the system, since each action is encapsulated as a command object.</a:t>
-            </a:r>
-            <a:endParaRPr sz="1200">
-              <a:solidFill>
-                <a:srgbClr val="D1D5DB"/>
-              </a:solidFill>
-              <a:highlight>
-                <a:srgbClr val="444654"/>
-              </a:highlight>
-              <a:latin typeface="Roboto"/>
-              <a:ea typeface="Roboto"/>
-              <a:cs typeface="Roboto"/>
-              <a:sym typeface="Roboto"/>
-            </a:endParaRPr>
-          </a:p>
-          <a:p>
-            <a:pPr marL="0" lvl="0" indent="0" algn="l" rtl="0">
-              <a:lnSpc>
-                <a:spcPct val="115000"/>
-              </a:lnSpc>
-              <a:spcBef>
-                <a:spcPts val="1500"/>
-              </a:spcBef>
-              <a:spcAft>
-                <a:spcPts val="0"/>
-              </a:spcAft>
-              <a:buClr>
-                <a:schemeClr val="dk1"/>
-              </a:buClr>
-              <a:buSzPts val="1100"/>
-              <a:buFont typeface="Arial"/>
-              <a:buNone/>
-            </a:pPr>
-            <a:r>
-              <a:rPr lang="en-GB" sz="1200">
-                <a:solidFill>
-                  <a:srgbClr val="D1D5DB"/>
-                </a:solidFill>
-                <a:highlight>
-                  <a:srgbClr val="444654"/>
-                </a:highlight>
-                <a:latin typeface="Roboto"/>
-                <a:ea typeface="Roboto"/>
-                <a:cs typeface="Roboto"/>
-                <a:sym typeface="Roboto"/>
-              </a:rPr>
-              <a:t>Cons:</a:t>
-            </a:r>
-            <a:endParaRPr sz="1200">
-              <a:solidFill>
-                <a:srgbClr val="D1D5DB"/>
-              </a:solidFill>
-              <a:highlight>
-                <a:srgbClr val="444654"/>
-              </a:highlight>
-              <a:latin typeface="Roboto"/>
-              <a:ea typeface="Roboto"/>
-              <a:cs typeface="Roboto"/>
-              <a:sym typeface="Roboto"/>
-            </a:endParaRPr>
-          </a:p>
-          <a:p>
-            <a:pPr marL="457200" lvl="0" indent="-304800" algn="l" rtl="0">
-              <a:lnSpc>
-                <a:spcPct val="115000"/>
-              </a:lnSpc>
-              <a:spcBef>
-                <a:spcPts val="1500"/>
-              </a:spcBef>
-              <a:spcAft>
-                <a:spcPts val="0"/>
-              </a:spcAft>
-              <a:buClr>
-                <a:srgbClr val="D1D5DB"/>
-              </a:buClr>
-              <a:buSzPts val="1200"/>
-              <a:buFont typeface="Roboto"/>
-              <a:buAutoNum type="arabicPeriod"/>
-            </a:pPr>
-            <a:r>
-              <a:rPr lang="en-GB" sz="1200">
-                <a:solidFill>
-                  <a:srgbClr val="D1D5DB"/>
-                </a:solidFill>
-                <a:highlight>
-                  <a:srgbClr val="444654"/>
-                </a:highlight>
-                <a:latin typeface="Roboto"/>
-                <a:ea typeface="Roboto"/>
-                <a:cs typeface="Roboto"/>
-                <a:sym typeface="Roboto"/>
-              </a:rPr>
-              <a:t>Increased complexity: The Command pattern adds some additional complexity to the codebase, since it requires creating additional classes to encapsulate commands as objects. This can make the codebase more difficult to understand and maintain.</a:t>
-            </a:r>
-            <a:endParaRPr sz="1200">
-              <a:solidFill>
-                <a:srgbClr val="D1D5DB"/>
-              </a:solidFill>
-              <a:highlight>
-                <a:srgbClr val="444654"/>
-              </a:highlight>
-              <a:latin typeface="Roboto"/>
-              <a:ea typeface="Roboto"/>
-              <a:cs typeface="Roboto"/>
-              <a:sym typeface="Roboto"/>
-            </a:endParaRPr>
-          </a:p>
-          <a:p>
-            <a:pPr marL="457200" lvl="0" indent="-304800" algn="l" rtl="0">
-              <a:lnSpc>
-                <a:spcPct val="115000"/>
-              </a:lnSpc>
-              <a:spcBef>
-                <a:spcPts val="0"/>
-              </a:spcBef>
-              <a:spcAft>
-                <a:spcPts val="0"/>
-              </a:spcAft>
-              <a:buClr>
-                <a:srgbClr val="D1D5DB"/>
-              </a:buClr>
-              <a:buSzPts val="1200"/>
-              <a:buFont typeface="Roboto"/>
-              <a:buAutoNum type="arabicPeriod"/>
-            </a:pPr>
-            <a:r>
-              <a:rPr lang="en-GB" sz="1200">
-                <a:solidFill>
-                  <a:srgbClr val="D1D5DB"/>
-                </a:solidFill>
-                <a:highlight>
-                  <a:srgbClr val="444654"/>
-                </a:highlight>
-                <a:latin typeface="Roboto"/>
-                <a:ea typeface="Roboto"/>
-                <a:cs typeface="Roboto"/>
-                <a:sym typeface="Roboto"/>
-              </a:rPr>
-              <a:t>Increased memory usage: The Command pattern requires storing each command as an object, which can consume additional memory compared to a simpler implementation that just executes commands directly.</a:t>
-            </a:r>
-            <a:endParaRPr sz="1200">
-              <a:solidFill>
-                <a:srgbClr val="D1D5DB"/>
-              </a:solidFill>
-              <a:highlight>
-                <a:srgbClr val="444654"/>
-              </a:highlight>
-              <a:latin typeface="Roboto"/>
-              <a:ea typeface="Roboto"/>
-              <a:cs typeface="Roboto"/>
-              <a:sym typeface="Roboto"/>
-            </a:endParaRPr>
-          </a:p>
-          <a:p>
-            <a:pPr marL="457200" lvl="0" indent="-304800" algn="l" rtl="0">
-              <a:lnSpc>
-                <a:spcPct val="115000"/>
-              </a:lnSpc>
-              <a:spcBef>
-                <a:spcPts val="0"/>
-              </a:spcBef>
-              <a:spcAft>
-                <a:spcPts val="0"/>
-              </a:spcAft>
-              <a:buClr>
-                <a:srgbClr val="D1D5DB"/>
-              </a:buClr>
-              <a:buSzPts val="1200"/>
-              <a:buFont typeface="Roboto"/>
-              <a:buAutoNum type="arabicPeriod"/>
-            </a:pPr>
-            <a:r>
-              <a:rPr lang="en-GB" sz="1200">
-                <a:solidFill>
-                  <a:srgbClr val="D1D5DB"/>
-                </a:solidFill>
-                <a:highlight>
-                  <a:srgbClr val="444654"/>
-                </a:highlight>
-                <a:latin typeface="Roboto"/>
-                <a:ea typeface="Roboto"/>
-                <a:cs typeface="Roboto"/>
-                <a:sym typeface="Roboto"/>
-              </a:rPr>
-              <a:t>Performance overhead: The Command pattern can introduce additional performance overhead compared to a simpler implementation that executes commands directly. This is due to the additional overhead of creating and executing command objects.</a:t>
-            </a:r>
-            <a:endParaRPr sz="1200">
-              <a:solidFill>
-                <a:srgbClr val="D1D5DB"/>
-              </a:solidFill>
-              <a:highlight>
-                <a:srgbClr val="444654"/>
-              </a:highlight>
-              <a:latin typeface="Roboto"/>
-              <a:ea typeface="Roboto"/>
-              <a:cs typeface="Roboto"/>
-              <a:sym typeface="Roboto"/>
-            </a:endParaRPr>
-          </a:p>
-          <a:p>
-            <a:pPr marL="0" lvl="0" indent="0" algn="l" rtl="0">
-              <a:spcBef>
-                <a:spcPts val="1500"/>
-              </a:spcBef>
-              <a:spcAft>
-                <a:spcPts val="0"/>
-              </a:spcAft>
-              <a:buNone/>
-            </a:pPr>
-            <a:endParaRPr/>
+              <a:buNone/>
+            </a:pPr>
+            <a:endParaRPr dirty="0"/>
           </a:p>
         </p:txBody>
       </p:sp>
@@ -8724,7 +8310,7 @@
         </p:spPr>
         <p:txBody>
           <a:bodyPr spcFirstLastPara="1" wrap="square" lIns="91425" tIns="91425" rIns="91425" bIns="91425" anchor="t" anchorCtr="0">
-            <a:normAutofit lnSpcReduction="20000"/>
+            <a:normAutofit lnSpcReduction="10000"/>
           </a:bodyPr>
           <a:lstStyle/>
           <a:p>
@@ -8737,7 +8323,7 @@
               </a:spcAft>
               <a:buNone/>
             </a:pPr>
-            <a:endParaRPr sz="2000"/>
+            <a:endParaRPr sz="2000" dirty="0"/>
           </a:p>
           <a:p>
             <a:pPr marL="457200" lvl="0" indent="457200" algn="l" rtl="0">
@@ -8750,10 +8336,10 @@
               <a:buNone/>
             </a:pPr>
             <a:r>
-              <a:rPr lang="en-GB" sz="2000"/>
+              <a:rPr lang="en-GB" sz="2000" dirty="0"/>
               <a:t>Pros</a:t>
             </a:r>
-            <a:endParaRPr sz="2000"/>
+            <a:endParaRPr sz="2000" dirty="0"/>
           </a:p>
           <a:p>
             <a:pPr marL="0" lvl="0" indent="0" algn="l" rtl="0">
@@ -8765,7 +8351,7 @@
               </a:spcAft>
               <a:buNone/>
             </a:pPr>
-            <a:endParaRPr sz="2000"/>
+            <a:endParaRPr sz="2000" dirty="0"/>
           </a:p>
           <a:p>
             <a:pPr marL="457200" lvl="0" indent="-336550" algn="l" rtl="0">
@@ -8782,10 +8368,10 @@
               <a:buChar char="●"/>
             </a:pPr>
             <a:r>
-              <a:rPr lang="en-GB" sz="2000"/>
+              <a:rPr lang="en-GB" sz="2000" dirty="0"/>
               <a:t>Encapsulation</a:t>
             </a:r>
-            <a:endParaRPr sz="2000"/>
+            <a:endParaRPr sz="2000" dirty="0"/>
           </a:p>
           <a:p>
             <a:pPr marL="457200" lvl="0" indent="-336550" algn="l" rtl="0">
@@ -8802,10 +8388,10 @@
               <a:buChar char="●"/>
             </a:pPr>
             <a:r>
-              <a:rPr lang="en-GB" sz="2000"/>
+              <a:rPr lang="en-GB" sz="2000" dirty="0"/>
               <a:t>Decoupling</a:t>
             </a:r>
-            <a:endParaRPr sz="2000"/>
+            <a:endParaRPr sz="2000" dirty="0"/>
           </a:p>
           <a:p>
             <a:pPr marL="457200" lvl="0" indent="-336550" algn="l" rtl="0">
@@ -8822,10 +8408,10 @@
               <a:buChar char="●"/>
             </a:pPr>
             <a:r>
-              <a:rPr lang="en-GB" sz="2000"/>
+              <a:rPr lang="en-GB" sz="2000" dirty="0"/>
               <a:t>Undo/Redo functionality</a:t>
             </a:r>
-            <a:endParaRPr sz="2000"/>
+            <a:endParaRPr sz="2000" dirty="0"/>
           </a:p>
           <a:p>
             <a:pPr marL="457200" lvl="0" indent="-336550" algn="l" rtl="0">
@@ -8842,10 +8428,10 @@
               <a:buChar char="●"/>
             </a:pPr>
             <a:r>
-              <a:rPr lang="en-GB" sz="2000"/>
+              <a:rPr lang="en-GB" sz="2000" dirty="0"/>
               <a:t>Sequencing of commands</a:t>
             </a:r>
-            <a:endParaRPr sz="2000"/>
+            <a:endParaRPr sz="2000" dirty="0"/>
           </a:p>
           <a:p>
             <a:pPr marL="457200" lvl="0" indent="-336550" algn="l" rtl="0">
@@ -8862,10 +8448,10 @@
               <a:buChar char="●"/>
             </a:pPr>
             <a:r>
-              <a:rPr lang="en-GB" sz="2000"/>
+              <a:rPr lang="en-GB" sz="2000" dirty="0"/>
               <a:t>Logging</a:t>
             </a:r>
-            <a:endParaRPr sz="2000"/>
+            <a:endParaRPr sz="2000" dirty="0"/>
           </a:p>
           <a:p>
             <a:pPr marL="0" lvl="0" indent="0" algn="l" rtl="0">
@@ -8877,7 +8463,7 @@
               </a:spcAft>
               <a:buNone/>
             </a:pPr>
-            <a:endParaRPr/>
+            <a:endParaRPr dirty="0"/>
           </a:p>
         </p:txBody>
       </p:sp>
@@ -9318,7 +8904,7 @@
         </p:spPr>
         <p:txBody>
           <a:bodyPr spcFirstLastPara="1" wrap="square" lIns="91425" tIns="91425" rIns="91425" bIns="91425" anchor="t" anchorCtr="0">
-            <a:normAutofit fontScale="70000" lnSpcReduction="20000"/>
+            <a:normAutofit fontScale="77500" lnSpcReduction="20000"/>
           </a:bodyPr>
           <a:lstStyle/>
           <a:p>
@@ -9952,7 +9538,7 @@
         </p:spPr>
         <p:txBody>
           <a:bodyPr spcFirstLastPara="1" wrap="square" lIns="91425" tIns="91425" rIns="91425" bIns="91425" anchor="t" anchorCtr="0">
-            <a:normAutofit fontScale="40000" lnSpcReduction="20000"/>
+            <a:normAutofit fontScale="47500" lnSpcReduction="20000"/>
           </a:bodyPr>
           <a:lstStyle/>
           <a:p>
@@ -10628,7 +10214,7 @@
         </p:spPr>
         <p:txBody>
           <a:bodyPr spcFirstLastPara="1" wrap="square" lIns="91425" tIns="91425" rIns="91425" bIns="91425" anchor="t" anchorCtr="0">
-            <a:normAutofit fontScale="92500" lnSpcReduction="20000"/>
+            <a:normAutofit fontScale="85000" lnSpcReduction="10000"/>
           </a:bodyPr>
           <a:lstStyle/>
           <a:p>
@@ -10911,7 +10497,7 @@
         </p:spPr>
         <p:txBody>
           <a:bodyPr spcFirstLastPara="1" wrap="square" lIns="91425" tIns="91425" rIns="91425" bIns="91425" anchor="t" anchorCtr="0">
-            <a:normAutofit/>
+            <a:normAutofit lnSpcReduction="10000"/>
           </a:bodyPr>
           <a:lstStyle/>
           <a:p>
